--- a/final_presentation/CSE5234_Presentation_Team1.pptx
+++ b/final_presentation/CSE5234_Presentation_Team1.pptx
@@ -133,6 +133,9 @@
         </p14:section>
       </p14:sectionLst>
     </p:ext>
+    <p:ext uri="{EFAFB233-063F-42B5-8137-9DF3F51BA10A}">
+      <p15:sldGuideLst xmlns:p15="http://schemas.microsoft.com/office/powerpoint/2012/main"/>
+    </p:ext>
   </p:extLst>
 </p:presentation>
 </file>
@@ -251,7 +254,7 @@
           <a:p>
             <a:fld id="{137F87C7-593E-40B6-8A28-240C55A469BB}" type="datetimeFigureOut">
               <a:rPr lang="en-US" smtClean="0"/>
-              <a:t>11/27/2024</a:t>
+              <a:t>11/29/2024</a:t>
             </a:fld>
             <a:endParaRPr lang="en-US"/>
           </a:p>
@@ -657,7 +660,7 @@
           <a:p>
             <a:fld id="{841B1ED1-51FE-420F-8B29-0159BACECEC0}" type="datetime1">
               <a:rPr lang="en-US" smtClean="0"/>
-              <a:t>11/27/2024</a:t>
+              <a:t>11/29/2024</a:t>
             </a:fld>
             <a:endParaRPr lang="en-US"/>
           </a:p>
@@ -871,7 +874,7 @@
           <a:p>
             <a:fld id="{725899E3-0289-44D0-9AC6-7AED217BBE45}" type="datetime1">
               <a:rPr lang="en-US" smtClean="0"/>
-              <a:t>11/27/2024</a:t>
+              <a:t>11/29/2024</a:t>
             </a:fld>
             <a:endParaRPr lang="en-US"/>
           </a:p>
@@ -1089,7 +1092,7 @@
           <a:p>
             <a:fld id="{88AD6EDF-846E-4799-97CE-A6BCE3B81F7C}" type="datetime1">
               <a:rPr lang="en-US" smtClean="0"/>
-              <a:t>11/27/2024</a:t>
+              <a:t>11/29/2024</a:t>
             </a:fld>
             <a:endParaRPr lang="en-US"/>
           </a:p>
@@ -1293,7 +1296,7 @@
           <a:p>
             <a:fld id="{D18EE866-E0D9-43D2-B014-577C1EE6EB03}" type="datetime1">
               <a:rPr lang="en-US" smtClean="0"/>
-              <a:t>11/27/2024</a:t>
+              <a:t>11/29/2024</a:t>
             </a:fld>
             <a:endParaRPr lang="en-US"/>
           </a:p>
@@ -1575,7 +1578,7 @@
           <a:p>
             <a:fld id="{8BCAE40C-AFEA-4C2B-A923-AF14511A3003}" type="datetime1">
               <a:rPr lang="en-US" smtClean="0"/>
-              <a:t>11/27/2024</a:t>
+              <a:t>11/29/2024</a:t>
             </a:fld>
             <a:endParaRPr lang="en-US"/>
           </a:p>
@@ -1846,7 +1849,7 @@
           <a:p>
             <a:fld id="{0FC7AA56-2574-49FC-BA9B-B33512C7C95F}" type="datetime1">
               <a:rPr lang="en-US" smtClean="0"/>
-              <a:t>11/27/2024</a:t>
+              <a:t>11/29/2024</a:t>
             </a:fld>
             <a:endParaRPr lang="en-US"/>
           </a:p>
@@ -2265,7 +2268,7 @@
           <a:p>
             <a:fld id="{C49D60D3-994F-4346-B299-6503473C51EE}" type="datetime1">
               <a:rPr lang="en-US" smtClean="0"/>
-              <a:t>11/27/2024</a:t>
+              <a:t>11/29/2024</a:t>
             </a:fld>
             <a:endParaRPr lang="en-US"/>
           </a:p>
@@ -2417,7 +2420,7 @@
           <a:p>
             <a:fld id="{5D631E86-8CCD-47CB-A5DC-6CDA514D1D1A}" type="datetime1">
               <a:rPr lang="en-US" smtClean="0"/>
-              <a:t>11/27/2024</a:t>
+              <a:t>11/29/2024</a:t>
             </a:fld>
             <a:endParaRPr lang="en-US"/>
           </a:p>
@@ -2546,7 +2549,7 @@
           <a:p>
             <a:fld id="{772E0144-59C1-43C0-A4C4-2B261E89A342}" type="datetime1">
               <a:rPr lang="en-US" smtClean="0"/>
-              <a:t>11/27/2024</a:t>
+              <a:t>11/29/2024</a:t>
             </a:fld>
             <a:endParaRPr lang="en-US"/>
           </a:p>
@@ -2800,7 +2803,7 @@
           <a:p>
             <a:fld id="{EF6DC935-6469-44C1-9D87-C3C20275B2BC}" type="datetime1">
               <a:rPr lang="en-US" smtClean="0"/>
-              <a:t>11/27/2024</a:t>
+              <a:t>11/29/2024</a:t>
             </a:fld>
             <a:endParaRPr lang="en-US"/>
           </a:p>
@@ -3248,7 +3251,7 @@
           <a:p>
             <a:fld id="{66E8A23B-3DC8-4A87-9CDE-D9E6786A1613}" type="datetime1">
               <a:rPr lang="en-US" smtClean="0"/>
-              <a:t>11/27/2024</a:t>
+              <a:t>11/29/2024</a:t>
             </a:fld>
             <a:endParaRPr lang="en-US"/>
           </a:p>
@@ -3578,7 +3581,7 @@
           <a:p>
             <a:fld id="{CB2CC045-D43E-40DC-B39D-E0C2B686ABB1}" type="datetime1">
               <a:rPr lang="en-US" smtClean="0"/>
-              <a:t>11/27/2024</a:t>
+              <a:t>11/29/2024</a:t>
             </a:fld>
             <a:endParaRPr lang="en-US"/>
           </a:p>
@@ -4931,7 +4934,7 @@
         <p:spPr>
           <a:xfrm>
             <a:off x="8532969" y="4303234"/>
-            <a:ext cx="2991203" cy="1785104"/>
+            <a:ext cx="2706190" cy="1785104"/>
           </a:xfrm>
           <a:prstGeom prst="rect">
             <a:avLst/>
@@ -4973,14 +4976,14 @@
             </a:pPr>
             <a:r>
               <a:rPr lang="en-US" sz="2000" dirty="0"/>
-              <a:t>Game design and</a:t>
+              <a:t>Design and</a:t>
             </a:r>
             <a:br>
               <a:rPr lang="en-US" sz="2000" dirty="0"/>
             </a:br>
             <a:r>
               <a:rPr lang="en-US" sz="2000" dirty="0"/>
-              <a:t>application development</a:t>
+              <a:t>development</a:t>
             </a:r>
           </a:p>
           <a:p>
